--- a/presentations/GIAIC_02-Introduction to Flow Control.pptx
+++ b/presentations/GIAIC_02-Introduction to Flow Control.pptx
@@ -20,6 +20,21 @@
     <p:sldId id="268" r:id="rId14"/>
     <p:sldId id="269" r:id="rId15"/>
     <p:sldId id="270" r:id="rId16"/>
+    <p:sldId id="271" r:id="rId17"/>
+    <p:sldId id="272" r:id="rId18"/>
+    <p:sldId id="273" r:id="rId19"/>
+    <p:sldId id="274" r:id="rId20"/>
+    <p:sldId id="275" r:id="rId21"/>
+    <p:sldId id="276" r:id="rId22"/>
+    <p:sldId id="277" r:id="rId23"/>
+    <p:sldId id="278" r:id="rId24"/>
+    <p:sldId id="279" r:id="rId25"/>
+    <p:sldId id="280" r:id="rId26"/>
+    <p:sldId id="281" r:id="rId27"/>
+    <p:sldId id="282" r:id="rId28"/>
+    <p:sldId id="283" r:id="rId29"/>
+    <p:sldId id="284" r:id="rId30"/>
+    <p:sldId id="286" r:id="rId31"/>
   </p:sldIdLst>
   <p:sldSz cx="12192000" cy="6858000"/>
   <p:notesSz cx="6858000" cy="9144000"/>
@@ -118,6 +133,11 @@
       </a:defRPr>
     </a:lvl9pPr>
   </p:defaultTextStyle>
+  <p:extLst>
+    <p:ext uri="{EFAFB233-063F-42B5-8137-9DF3F51BA10A}">
+      <p15:sldGuideLst xmlns:p15="http://schemas.microsoft.com/office/powerpoint/2012/main"/>
+    </p:ext>
+  </p:extLst>
 </p:presentation>
 </file>
 
@@ -459,7 +479,7 @@
           <a:p>
             <a:fld id="{67A87054-9D44-4E67-9A91-C36F6B83E6F4}" type="datetimeFigureOut">
               <a:rPr lang="en-US" smtClean="0"/>
-              <a:t>2/27/2024</a:t>
+              <a:t>2/28/2024</a:t>
             </a:fld>
             <a:endParaRPr lang="en-US"/>
           </a:p>
@@ -1558,7 +1578,7 @@
           <a:p>
             <a:fld id="{67A87054-9D44-4E67-9A91-C36F6B83E6F4}" type="datetimeFigureOut">
               <a:rPr lang="en-US" smtClean="0"/>
-              <a:t>2/27/2024</a:t>
+              <a:t>2/28/2024</a:t>
             </a:fld>
             <a:endParaRPr lang="en-US"/>
           </a:p>
@@ -2554,7 +2574,7 @@
           <a:p>
             <a:fld id="{67A87054-9D44-4E67-9A91-C36F6B83E6F4}" type="datetimeFigureOut">
               <a:rPr lang="en-US" smtClean="0"/>
-              <a:t>2/27/2024</a:t>
+              <a:t>2/28/2024</a:t>
             </a:fld>
             <a:endParaRPr lang="en-US"/>
           </a:p>
@@ -3704,7 +3724,7 @@
           <a:p>
             <a:fld id="{67A87054-9D44-4E67-9A91-C36F6B83E6F4}" type="datetimeFigureOut">
               <a:rPr lang="en-US" smtClean="0"/>
-              <a:t>2/27/2024</a:t>
+              <a:t>2/28/2024</a:t>
             </a:fld>
             <a:endParaRPr lang="en-US"/>
           </a:p>
@@ -4753,7 +4773,7 @@
           <a:p>
             <a:fld id="{67A87054-9D44-4E67-9A91-C36F6B83E6F4}" type="datetimeFigureOut">
               <a:rPr lang="en-US" smtClean="0"/>
-              <a:t>2/27/2024</a:t>
+              <a:t>2/28/2024</a:t>
             </a:fld>
             <a:endParaRPr lang="en-US"/>
           </a:p>
@@ -5429,7 +5449,7 @@
           <a:p>
             <a:fld id="{67A87054-9D44-4E67-9A91-C36F6B83E6F4}" type="datetimeFigureOut">
               <a:rPr lang="en-US" smtClean="0"/>
-              <a:t>2/27/2024</a:t>
+              <a:t>2/28/2024</a:t>
             </a:fld>
             <a:endParaRPr lang="en-US"/>
           </a:p>
@@ -6306,7 +6326,7 @@
           <a:p>
             <a:fld id="{67A87054-9D44-4E67-9A91-C36F6B83E6F4}" type="datetimeFigureOut">
               <a:rPr lang="en-US" smtClean="0"/>
-              <a:t>2/27/2024</a:t>
+              <a:t>2/28/2024</a:t>
             </a:fld>
             <a:endParaRPr lang="en-US"/>
           </a:p>
@@ -6502,7 +6522,7 @@
           <a:p>
             <a:fld id="{67A87054-9D44-4E67-9A91-C36F6B83E6F4}" type="datetimeFigureOut">
               <a:rPr lang="en-US" smtClean="0"/>
-              <a:t>2/27/2024</a:t>
+              <a:t>2/28/2024</a:t>
             </a:fld>
             <a:endParaRPr lang="en-US"/>
           </a:p>
@@ -7485,7 +7505,7 @@
           <a:p>
             <a:fld id="{67A87054-9D44-4E67-9A91-C36F6B83E6F4}" type="datetimeFigureOut">
               <a:rPr lang="en-US" smtClean="0"/>
-              <a:t>2/27/2024</a:t>
+              <a:t>2/28/2024</a:t>
             </a:fld>
             <a:endParaRPr lang="en-US"/>
           </a:p>
@@ -8721,7 +8741,7 @@
           <a:p>
             <a:fld id="{67A87054-9D44-4E67-9A91-C36F6B83E6F4}" type="datetimeFigureOut">
               <a:rPr lang="en-US" smtClean="0"/>
-              <a:t>2/27/2024</a:t>
+              <a:t>2/28/2024</a:t>
             </a:fld>
             <a:endParaRPr lang="en-US"/>
           </a:p>
@@ -9009,7 +9029,7 @@
           <a:p>
             <a:fld id="{67A87054-9D44-4E67-9A91-C36F6B83E6F4}" type="datetimeFigureOut">
               <a:rPr lang="en-US" smtClean="0"/>
-              <a:t>2/27/2024</a:t>
+              <a:t>2/28/2024</a:t>
             </a:fld>
             <a:endParaRPr lang="en-US"/>
           </a:p>
@@ -9435,7 +9455,7 @@
           <a:p>
             <a:fld id="{67A87054-9D44-4E67-9A91-C36F6B83E6F4}" type="datetimeFigureOut">
               <a:rPr lang="en-US" smtClean="0"/>
-              <a:t>2/27/2024</a:t>
+              <a:t>2/28/2024</a:t>
             </a:fld>
             <a:endParaRPr lang="en-US"/>
           </a:p>
@@ -9578,7 +9598,7 @@
           <a:p>
             <a:fld id="{67A87054-9D44-4E67-9A91-C36F6B83E6F4}" type="datetimeFigureOut">
               <a:rPr lang="en-US" smtClean="0"/>
-              <a:t>2/27/2024</a:t>
+              <a:t>2/28/2024</a:t>
             </a:fld>
             <a:endParaRPr lang="en-US"/>
           </a:p>
@@ -9689,7 +9709,7 @@
           <a:p>
             <a:fld id="{67A87054-9D44-4E67-9A91-C36F6B83E6F4}" type="datetimeFigureOut">
               <a:rPr lang="en-US" smtClean="0"/>
-              <a:t>2/27/2024</a:t>
+              <a:t>2/28/2024</a:t>
             </a:fld>
             <a:endParaRPr lang="en-US"/>
           </a:p>
@@ -10786,7 +10806,7 @@
           <a:p>
             <a:fld id="{67A87054-9D44-4E67-9A91-C36F6B83E6F4}" type="datetimeFigureOut">
               <a:rPr lang="en-US" smtClean="0"/>
-              <a:t>2/27/2024</a:t>
+              <a:t>2/28/2024</a:t>
             </a:fld>
             <a:endParaRPr lang="en-US"/>
           </a:p>
@@ -11910,7 +11930,7 @@
           <a:p>
             <a:fld id="{67A87054-9D44-4E67-9A91-C36F6B83E6F4}" type="datetimeFigureOut">
               <a:rPr lang="en-US" smtClean="0"/>
-              <a:t>2/27/2024</a:t>
+              <a:t>2/28/2024</a:t>
             </a:fld>
             <a:endParaRPr lang="en-US"/>
           </a:p>
@@ -13452,7 +13472,7 @@
           <a:p>
             <a:r>
               <a:rPr lang="en-US" dirty="0"/>
-              <a:t>How to design condition in your program?</a:t>
+              <a:t>How to design conditions in your program?</a:t>
             </a:r>
           </a:p>
         </p:txBody>
@@ -14076,19 +14096,21 @@
           <a:bodyPr/>
           <a:lstStyle/>
           <a:p>
+            <a:pPr algn="just"/>
             <a:r>
               <a:rPr lang="en-US" dirty="0"/>
               <a:t>Switch case in TypeScript is a flow control statement that allows you to execute different code blocks based on the value of an expression.</a:t>
             </a:r>
           </a:p>
           <a:p>
+            <a:pPr algn="just"/>
             <a:r>
               <a:rPr lang="en-US" dirty="0"/>
               <a:t>Switch case usage: </a:t>
             </a:r>
           </a:p>
           <a:p>
-            <a:pPr lvl="1"/>
+            <a:pPr lvl="1" algn="just"/>
             <a:r>
               <a:rPr lang="en-US" dirty="0"/>
               <a:t>The switch case statement is useful when you need to check multiple values of an expression and take different actions accordingly. It is often used as an alternative to multiple if else statements.</a:t>
@@ -14638,6 +14660,560 @@
 </p:sld>
 </file>
 
+<file path=ppt/slides/slide16.xml><?xml version="1.0" encoding="utf-8"?>
+<p:sld xmlns:a="http://schemas.openxmlformats.org/drawingml/2006/main" xmlns:r="http://schemas.openxmlformats.org/officeDocument/2006/relationships" xmlns:p="http://schemas.openxmlformats.org/presentationml/2006/main">
+  <p:cSld>
+    <p:spTree>
+      <p:nvGrpSpPr>
+        <p:cNvPr id="1" name=""/>
+        <p:cNvGrpSpPr/>
+        <p:nvPr/>
+      </p:nvGrpSpPr>
+      <p:grpSpPr>
+        <a:xfrm>
+          <a:off x="0" y="0"/>
+          <a:ext cx="0" cy="0"/>
+          <a:chOff x="0" y="0"/>
+          <a:chExt cx="0" cy="0"/>
+        </a:xfrm>
+      </p:grpSpPr>
+      <p:sp>
+        <p:nvSpPr>
+          <p:cNvPr id="2" name="Title 1">
+            <a:extLst>
+              <a:ext uri="{FF2B5EF4-FFF2-40B4-BE49-F238E27FC236}">
+                <a16:creationId xmlns:a16="http://schemas.microsoft.com/office/drawing/2014/main" id="{6F1829FB-2400-37D0-142E-B208CF926E31}"/>
+              </a:ext>
+            </a:extLst>
+          </p:cNvPr>
+          <p:cNvSpPr>
+            <a:spLocks noGrp="1"/>
+          </p:cNvSpPr>
+          <p:nvPr>
+            <p:ph type="title"/>
+          </p:nvPr>
+        </p:nvSpPr>
+        <p:spPr/>
+        <p:txBody>
+          <a:bodyPr/>
+          <a:lstStyle/>
+          <a:p>
+            <a:r>
+              <a:rPr lang="en-US" dirty="0"/>
+              <a:t>Code Blocks and Scope of Variables</a:t>
+            </a:r>
+          </a:p>
+        </p:txBody>
+      </p:sp>
+      <p:sp>
+        <p:nvSpPr>
+          <p:cNvPr id="3" name="Content Placeholder 2">
+            <a:extLst>
+              <a:ext uri="{FF2B5EF4-FFF2-40B4-BE49-F238E27FC236}">
+                <a16:creationId xmlns:a16="http://schemas.microsoft.com/office/drawing/2014/main" id="{DF2DBCC2-B947-CC16-F27F-60E81556C19A}"/>
+              </a:ext>
+            </a:extLst>
+          </p:cNvPr>
+          <p:cNvSpPr>
+            <a:spLocks noGrp="1"/>
+          </p:cNvSpPr>
+          <p:nvPr>
+            <p:ph idx="1"/>
+          </p:nvPr>
+        </p:nvSpPr>
+        <p:spPr/>
+        <p:txBody>
+          <a:bodyPr>
+            <a:normAutofit/>
+          </a:bodyPr>
+          <a:lstStyle/>
+          <a:p>
+            <a:pPr algn="just"/>
+            <a:r>
+              <a:rPr lang="en-US" dirty="0"/>
+              <a:t>Code blocks are sections of code enclosed within curly braces ({}). They can be used to create a scope for variables, functions, or statements. For example:</a:t>
+            </a:r>
+          </a:p>
+          <a:p>
+            <a:pPr marL="400050" lvl="1" indent="0" algn="just">
+              <a:buNone/>
+            </a:pPr>
+            <a:r>
+              <a:rPr lang="en-US" dirty="0"/>
+              <a:t>{</a:t>
+            </a:r>
+          </a:p>
+          <a:p>
+            <a:pPr marL="400050" lvl="1" indent="0" algn="just">
+              <a:buNone/>
+            </a:pPr>
+            <a:r>
+              <a:rPr lang="en-US" dirty="0"/>
+              <a:t>  // This is a code block</a:t>
+            </a:r>
+          </a:p>
+          <a:p>
+            <a:pPr marL="400050" lvl="1" indent="0" algn="just">
+              <a:buNone/>
+            </a:pPr>
+            <a:r>
+              <a:rPr lang="en-US" dirty="0"/>
+              <a:t>  let x = 10; // This variable is scoped to this block</a:t>
+            </a:r>
+          </a:p>
+          <a:p>
+            <a:pPr marL="400050" lvl="1" indent="0" algn="just">
+              <a:buNone/>
+            </a:pPr>
+            <a:r>
+              <a:rPr lang="en-US" dirty="0"/>
+              <a:t>  console.log(x); // This statement is executed within this block</a:t>
+            </a:r>
+          </a:p>
+          <a:p>
+            <a:pPr marL="400050" lvl="1" indent="0" algn="just">
+              <a:buNone/>
+            </a:pPr>
+            <a:r>
+              <a:rPr lang="en-US" dirty="0"/>
+              <a:t>}</a:t>
+            </a:r>
+          </a:p>
+          <a:p>
+            <a:pPr algn="just"/>
+            <a:endParaRPr lang="en-US" dirty="0"/>
+          </a:p>
+        </p:txBody>
+      </p:sp>
+    </p:spTree>
+    <p:extLst>
+      <p:ext uri="{BB962C8B-B14F-4D97-AF65-F5344CB8AC3E}">
+        <p14:creationId xmlns:p14="http://schemas.microsoft.com/office/powerpoint/2010/main" val="3791904621"/>
+      </p:ext>
+    </p:extLst>
+  </p:cSld>
+  <p:clrMapOvr>
+    <a:masterClrMapping/>
+  </p:clrMapOvr>
+</p:sld>
+</file>
+
+<file path=ppt/slides/slide17.xml><?xml version="1.0" encoding="utf-8"?>
+<p:sld xmlns:a="http://schemas.openxmlformats.org/drawingml/2006/main" xmlns:r="http://schemas.openxmlformats.org/officeDocument/2006/relationships" xmlns:p="http://schemas.openxmlformats.org/presentationml/2006/main">
+  <p:cSld>
+    <p:spTree>
+      <p:nvGrpSpPr>
+        <p:cNvPr id="1" name=""/>
+        <p:cNvGrpSpPr/>
+        <p:nvPr/>
+      </p:nvGrpSpPr>
+      <p:grpSpPr>
+        <a:xfrm>
+          <a:off x="0" y="0"/>
+          <a:ext cx="0" cy="0"/>
+          <a:chOff x="0" y="0"/>
+          <a:chExt cx="0" cy="0"/>
+        </a:xfrm>
+      </p:grpSpPr>
+      <p:sp>
+        <p:nvSpPr>
+          <p:cNvPr id="2" name="Title 1">
+            <a:extLst>
+              <a:ext uri="{FF2B5EF4-FFF2-40B4-BE49-F238E27FC236}">
+                <a16:creationId xmlns:a16="http://schemas.microsoft.com/office/drawing/2014/main" id="{88E68DDD-0321-4723-1F32-620FF8E0EE80}"/>
+              </a:ext>
+            </a:extLst>
+          </p:cNvPr>
+          <p:cNvSpPr>
+            <a:spLocks noGrp="1"/>
+          </p:cNvSpPr>
+          <p:nvPr>
+            <p:ph type="title"/>
+          </p:nvPr>
+        </p:nvSpPr>
+        <p:spPr/>
+        <p:txBody>
+          <a:bodyPr/>
+          <a:lstStyle/>
+          <a:p>
+            <a:r>
+              <a:rPr lang="en-US" dirty="0"/>
+              <a:t>Code Block and Scope of Variable</a:t>
+            </a:r>
+          </a:p>
+        </p:txBody>
+      </p:sp>
+      <p:sp>
+        <p:nvSpPr>
+          <p:cNvPr id="3" name="Content Placeholder 2">
+            <a:extLst>
+              <a:ext uri="{FF2B5EF4-FFF2-40B4-BE49-F238E27FC236}">
+                <a16:creationId xmlns:a16="http://schemas.microsoft.com/office/drawing/2014/main" id="{CF94D46C-8217-D03E-FEC7-4742C9EC3906}"/>
+              </a:ext>
+            </a:extLst>
+          </p:cNvPr>
+          <p:cNvSpPr>
+            <a:spLocks noGrp="1"/>
+          </p:cNvSpPr>
+          <p:nvPr>
+            <p:ph idx="1"/>
+          </p:nvPr>
+        </p:nvSpPr>
+        <p:spPr/>
+        <p:txBody>
+          <a:bodyPr/>
+          <a:lstStyle/>
+          <a:p>
+            <a:pPr algn="just"/>
+            <a:r>
+              <a:rPr lang="en-US" dirty="0"/>
+              <a:t>Block scopes are the scopes created by code blocks. Variables declared within a block scope are only accessible within that block and any nested blocks. They are not accessible outside the block. </a:t>
+            </a:r>
+          </a:p>
+        </p:txBody>
+      </p:sp>
+    </p:spTree>
+    <p:extLst>
+      <p:ext uri="{BB962C8B-B14F-4D97-AF65-F5344CB8AC3E}">
+        <p14:creationId xmlns:p14="http://schemas.microsoft.com/office/powerpoint/2010/main" val="2169033518"/>
+      </p:ext>
+    </p:extLst>
+  </p:cSld>
+  <p:clrMapOvr>
+    <a:masterClrMapping/>
+  </p:clrMapOvr>
+</p:sld>
+</file>
+
+<file path=ppt/slides/slide18.xml><?xml version="1.0" encoding="utf-8"?>
+<p:sld xmlns:a="http://schemas.openxmlformats.org/drawingml/2006/main" xmlns:r="http://schemas.openxmlformats.org/officeDocument/2006/relationships" xmlns:p="http://schemas.openxmlformats.org/presentationml/2006/main">
+  <p:cSld>
+    <p:spTree>
+      <p:nvGrpSpPr>
+        <p:cNvPr id="1" name=""/>
+        <p:cNvGrpSpPr/>
+        <p:nvPr/>
+      </p:nvGrpSpPr>
+      <p:grpSpPr>
+        <a:xfrm>
+          <a:off x="0" y="0"/>
+          <a:ext cx="0" cy="0"/>
+          <a:chOff x="0" y="0"/>
+          <a:chExt cx="0" cy="0"/>
+        </a:xfrm>
+      </p:grpSpPr>
+      <p:sp>
+        <p:nvSpPr>
+          <p:cNvPr id="2" name="Title 1">
+            <a:extLst>
+              <a:ext uri="{FF2B5EF4-FFF2-40B4-BE49-F238E27FC236}">
+                <a16:creationId xmlns:a16="http://schemas.microsoft.com/office/drawing/2014/main" id="{913DA3FD-E26E-52C0-49D8-846681C45879}"/>
+              </a:ext>
+            </a:extLst>
+          </p:cNvPr>
+          <p:cNvSpPr>
+            <a:spLocks noGrp="1"/>
+          </p:cNvSpPr>
+          <p:nvPr>
+            <p:ph type="title"/>
+          </p:nvPr>
+        </p:nvSpPr>
+        <p:spPr/>
+        <p:txBody>
+          <a:bodyPr/>
+          <a:lstStyle/>
+          <a:p>
+            <a:r>
+              <a:rPr lang="en-US" dirty="0"/>
+              <a:t>Example for Variable scope within Code Blocks and Nested Code Blocks</a:t>
+            </a:r>
+          </a:p>
+        </p:txBody>
+      </p:sp>
+      <p:sp>
+        <p:nvSpPr>
+          <p:cNvPr id="3" name="Content Placeholder 2">
+            <a:extLst>
+              <a:ext uri="{FF2B5EF4-FFF2-40B4-BE49-F238E27FC236}">
+                <a16:creationId xmlns:a16="http://schemas.microsoft.com/office/drawing/2014/main" id="{A653C9C1-E1B0-D02E-C544-06701D516BC1}"/>
+              </a:ext>
+            </a:extLst>
+          </p:cNvPr>
+          <p:cNvSpPr>
+            <a:spLocks noGrp="1"/>
+          </p:cNvSpPr>
+          <p:nvPr>
+            <p:ph idx="1"/>
+          </p:nvPr>
+        </p:nvSpPr>
+        <p:spPr/>
+        <p:txBody>
+          <a:bodyPr>
+            <a:normAutofit fontScale="55000" lnSpcReduction="20000"/>
+          </a:bodyPr>
+          <a:lstStyle/>
+          <a:p>
+            <a:pPr marL="0" indent="0">
+              <a:buNone/>
+            </a:pPr>
+            <a:r>
+              <a:rPr lang="en-US" dirty="0"/>
+              <a:t>{</a:t>
+            </a:r>
+          </a:p>
+          <a:p>
+            <a:pPr marL="0" indent="0">
+              <a:buNone/>
+            </a:pPr>
+            <a:r>
+              <a:rPr lang="en-US" dirty="0"/>
+              <a:t>  // This is a block scope</a:t>
+            </a:r>
+          </a:p>
+          <a:p>
+            <a:pPr marL="0" indent="0">
+              <a:buNone/>
+            </a:pPr>
+            <a:r>
+              <a:rPr lang="en-US" dirty="0"/>
+              <a:t>  let x = 10; // This variable is scoped to this block</a:t>
+            </a:r>
+          </a:p>
+          <a:p>
+            <a:pPr marL="0" indent="0">
+              <a:buNone/>
+            </a:pPr>
+            <a:r>
+              <a:rPr lang="en-US" dirty="0"/>
+              <a:t>  {</a:t>
+            </a:r>
+          </a:p>
+          <a:p>
+            <a:pPr marL="0" indent="0">
+              <a:buNone/>
+            </a:pPr>
+            <a:r>
+              <a:rPr lang="en-US" dirty="0"/>
+              <a:t>    // This is a nested block scope</a:t>
+            </a:r>
+          </a:p>
+          <a:p>
+            <a:pPr marL="0" indent="0">
+              <a:buNone/>
+            </a:pPr>
+            <a:r>
+              <a:rPr lang="en-US" dirty="0"/>
+              <a:t>    let y = 20; // This variable is scoped to this nested block</a:t>
+            </a:r>
+          </a:p>
+          <a:p>
+            <a:pPr marL="0" indent="0">
+              <a:buNone/>
+            </a:pPr>
+            <a:r>
+              <a:rPr lang="en-US" dirty="0"/>
+              <a:t>    console.log(x); // This can access x from the outer block</a:t>
+            </a:r>
+          </a:p>
+          <a:p>
+            <a:pPr marL="0" indent="0">
+              <a:buNone/>
+            </a:pPr>
+            <a:r>
+              <a:rPr lang="en-US" dirty="0"/>
+              <a:t>    console.log(y); // This can access y from the current block</a:t>
+            </a:r>
+          </a:p>
+          <a:p>
+            <a:pPr marL="0" indent="0">
+              <a:buNone/>
+            </a:pPr>
+            <a:r>
+              <a:rPr lang="en-US" dirty="0"/>
+              <a:t>  }</a:t>
+            </a:r>
+          </a:p>
+          <a:p>
+            <a:pPr marL="0" indent="0">
+              <a:buNone/>
+            </a:pPr>
+            <a:r>
+              <a:rPr lang="en-US" dirty="0"/>
+              <a:t>  console.log(x); // This can still access x from the current block</a:t>
+            </a:r>
+          </a:p>
+          <a:p>
+            <a:pPr marL="0" indent="0">
+              <a:buNone/>
+            </a:pPr>
+            <a:r>
+              <a:rPr lang="en-US" dirty="0"/>
+              <a:t>  console.log(y); // This cannot access y from the nested block</a:t>
+            </a:r>
+          </a:p>
+          <a:p>
+            <a:pPr marL="0" indent="0">
+              <a:buNone/>
+            </a:pPr>
+            <a:r>
+              <a:rPr lang="en-US" dirty="0"/>
+              <a:t>}</a:t>
+            </a:r>
+          </a:p>
+          <a:p>
+            <a:pPr marL="0" indent="0">
+              <a:buNone/>
+            </a:pPr>
+            <a:r>
+              <a:rPr lang="en-US" dirty="0"/>
+              <a:t>console.log(x); // This cannot access x from the block scope</a:t>
+            </a:r>
+          </a:p>
+          <a:p>
+            <a:pPr marL="0" indent="0">
+              <a:buNone/>
+            </a:pPr>
+            <a:r>
+              <a:rPr lang="en-US" dirty="0"/>
+              <a:t>console.log(y); // This cannot access y from the block scope</a:t>
+            </a:r>
+          </a:p>
+          <a:p>
+            <a:endParaRPr lang="en-US" dirty="0"/>
+          </a:p>
+        </p:txBody>
+      </p:sp>
+    </p:spTree>
+    <p:extLst>
+      <p:ext uri="{BB962C8B-B14F-4D97-AF65-F5344CB8AC3E}">
+        <p14:creationId xmlns:p14="http://schemas.microsoft.com/office/powerpoint/2010/main" val="1014990620"/>
+      </p:ext>
+    </p:extLst>
+  </p:cSld>
+  <p:clrMapOvr>
+    <a:masterClrMapping/>
+  </p:clrMapOvr>
+</p:sld>
+</file>
+
+<file path=ppt/slides/slide19.xml><?xml version="1.0" encoding="utf-8"?>
+<p:sld xmlns:a="http://schemas.openxmlformats.org/drawingml/2006/main" xmlns:r="http://schemas.openxmlformats.org/officeDocument/2006/relationships" xmlns:p="http://schemas.openxmlformats.org/presentationml/2006/main">
+  <p:cSld>
+    <p:spTree>
+      <p:nvGrpSpPr>
+        <p:cNvPr id="1" name=""/>
+        <p:cNvGrpSpPr/>
+        <p:nvPr/>
+      </p:nvGrpSpPr>
+      <p:grpSpPr>
+        <a:xfrm>
+          <a:off x="0" y="0"/>
+          <a:ext cx="0" cy="0"/>
+          <a:chOff x="0" y="0"/>
+          <a:chExt cx="0" cy="0"/>
+        </a:xfrm>
+      </p:grpSpPr>
+      <p:sp>
+        <p:nvSpPr>
+          <p:cNvPr id="2" name="Title 1">
+            <a:extLst>
+              <a:ext uri="{FF2B5EF4-FFF2-40B4-BE49-F238E27FC236}">
+                <a16:creationId xmlns:a16="http://schemas.microsoft.com/office/drawing/2014/main" id="{E14514BF-94EF-9E70-F438-08CF7792F59C}"/>
+              </a:ext>
+            </a:extLst>
+          </p:cNvPr>
+          <p:cNvSpPr>
+            <a:spLocks noGrp="1"/>
+          </p:cNvSpPr>
+          <p:nvPr>
+            <p:ph type="title"/>
+          </p:nvPr>
+        </p:nvSpPr>
+        <p:spPr/>
+        <p:txBody>
+          <a:bodyPr/>
+          <a:lstStyle/>
+          <a:p>
+            <a:r>
+              <a:rPr lang="en-US" dirty="0"/>
+              <a:t>What is the difference between LET,CONST, and VAR</a:t>
+            </a:r>
+          </a:p>
+        </p:txBody>
+      </p:sp>
+      <p:sp>
+        <p:nvSpPr>
+          <p:cNvPr id="3" name="Content Placeholder 2">
+            <a:extLst>
+              <a:ext uri="{FF2B5EF4-FFF2-40B4-BE49-F238E27FC236}">
+                <a16:creationId xmlns:a16="http://schemas.microsoft.com/office/drawing/2014/main" id="{24F14CD8-1634-0C4A-5BEE-1C35F49F8C98}"/>
+              </a:ext>
+            </a:extLst>
+          </p:cNvPr>
+          <p:cNvSpPr>
+            <a:spLocks noGrp="1"/>
+          </p:cNvSpPr>
+          <p:nvPr>
+            <p:ph idx="1"/>
+          </p:nvPr>
+        </p:nvSpPr>
+        <p:spPr/>
+        <p:txBody>
+          <a:bodyPr>
+            <a:normAutofit fontScale="85000" lnSpcReduction="20000"/>
+          </a:bodyPr>
+          <a:lstStyle/>
+          <a:p>
+            <a:r>
+              <a:rPr lang="en-US" dirty="0"/>
+              <a:t>The difference between let, const, and var in TypeScript is based on their scope, reassignment, and hoisting behavior.</a:t>
+            </a:r>
+          </a:p>
+          <a:p>
+            <a:r>
+              <a:rPr lang="en-US" dirty="0"/>
+              <a:t>var: is function-scoped or global-scoped, which means it can be accessed within the function or the whole window where it is declared.</a:t>
+            </a:r>
+          </a:p>
+          <a:p>
+            <a:r>
+              <a:rPr lang="en-US" dirty="0"/>
+              <a:t>let and const: are block-scoped, which means they can only be accessed within the block (such as a loop or an if statement) where they are declared.</a:t>
+            </a:r>
+          </a:p>
+          <a:p>
+            <a:r>
+              <a:rPr lang="en-US" dirty="0"/>
+              <a:t>Reassignment: This refers to whether the variables can be changed or reassigned after their declaration.</a:t>
+            </a:r>
+          </a:p>
+          <a:p>
+            <a:r>
+              <a:rPr lang="en-US" dirty="0"/>
+              <a:t>var and let can be reassigned, which means their values can be changed or updated.</a:t>
+            </a:r>
+          </a:p>
+          <a:p>
+            <a:r>
+              <a:rPr lang="en-US" dirty="0"/>
+              <a:t>const cannot be reassigned, which means its value is fixed and cannot be changed.</a:t>
+            </a:r>
+          </a:p>
+        </p:txBody>
+      </p:sp>
+    </p:spTree>
+    <p:extLst>
+      <p:ext uri="{BB962C8B-B14F-4D97-AF65-F5344CB8AC3E}">
+        <p14:creationId xmlns:p14="http://schemas.microsoft.com/office/powerpoint/2010/main" val="4047171276"/>
+      </p:ext>
+    </p:extLst>
+  </p:cSld>
+  <p:clrMapOvr>
+    <a:masterClrMapping/>
+  </p:clrMapOvr>
+</p:sld>
+</file>
+
 <file path=ppt/slides/slide2.xml><?xml version="1.0" encoding="utf-8"?>
 <p:sld xmlns:a="http://schemas.openxmlformats.org/drawingml/2006/main" xmlns:r="http://schemas.openxmlformats.org/officeDocument/2006/relationships" xmlns:p="http://schemas.openxmlformats.org/presentationml/2006/main">
   <p:cSld>
@@ -14746,6 +15322,1110 @@
     <p:extLst>
       <p:ext uri="{BB962C8B-B14F-4D97-AF65-F5344CB8AC3E}">
         <p14:creationId xmlns:p14="http://schemas.microsoft.com/office/powerpoint/2010/main" val="591433366"/>
+      </p:ext>
+    </p:extLst>
+  </p:cSld>
+  <p:clrMapOvr>
+    <a:masterClrMapping/>
+  </p:clrMapOvr>
+</p:sld>
+</file>
+
+<file path=ppt/slides/slide20.xml><?xml version="1.0" encoding="utf-8"?>
+<p:sld xmlns:a="http://schemas.openxmlformats.org/drawingml/2006/main" xmlns:r="http://schemas.openxmlformats.org/officeDocument/2006/relationships" xmlns:p="http://schemas.openxmlformats.org/presentationml/2006/main">
+  <p:cSld>
+    <p:spTree>
+      <p:nvGrpSpPr>
+        <p:cNvPr id="1" name=""/>
+        <p:cNvGrpSpPr/>
+        <p:nvPr/>
+      </p:nvGrpSpPr>
+      <p:grpSpPr>
+        <a:xfrm>
+          <a:off x="0" y="0"/>
+          <a:ext cx="0" cy="0"/>
+          <a:chOff x="0" y="0"/>
+          <a:chExt cx="0" cy="0"/>
+        </a:xfrm>
+      </p:grpSpPr>
+      <p:sp>
+        <p:nvSpPr>
+          <p:cNvPr id="2" name="Title 1">
+            <a:extLst>
+              <a:ext uri="{FF2B5EF4-FFF2-40B4-BE49-F238E27FC236}">
+                <a16:creationId xmlns:a16="http://schemas.microsoft.com/office/drawing/2014/main" id="{07206C9A-DBCE-75DA-1EE6-42353234358C}"/>
+              </a:ext>
+            </a:extLst>
+          </p:cNvPr>
+          <p:cNvSpPr>
+            <a:spLocks noGrp="1"/>
+          </p:cNvSpPr>
+          <p:nvPr>
+            <p:ph type="title"/>
+          </p:nvPr>
+        </p:nvSpPr>
+        <p:spPr/>
+        <p:txBody>
+          <a:bodyPr/>
+          <a:lstStyle/>
+          <a:p>
+            <a:r>
+              <a:rPr lang="en-US" dirty="0"/>
+              <a:t>Using var in TypeScript</a:t>
+            </a:r>
+          </a:p>
+        </p:txBody>
+      </p:sp>
+      <p:sp>
+        <p:nvSpPr>
+          <p:cNvPr id="3" name="Content Placeholder 2">
+            <a:extLst>
+              <a:ext uri="{FF2B5EF4-FFF2-40B4-BE49-F238E27FC236}">
+                <a16:creationId xmlns:a16="http://schemas.microsoft.com/office/drawing/2014/main" id="{2C0FB665-2930-8032-C77F-AF5C6AE9587D}"/>
+              </a:ext>
+            </a:extLst>
+          </p:cNvPr>
+          <p:cNvSpPr>
+            <a:spLocks noGrp="1"/>
+          </p:cNvSpPr>
+          <p:nvPr>
+            <p:ph idx="1"/>
+          </p:nvPr>
+        </p:nvSpPr>
+        <p:spPr/>
+        <p:txBody>
+          <a:bodyPr/>
+          <a:lstStyle/>
+          <a:p>
+            <a:r>
+              <a:rPr lang="en-US" dirty="0"/>
+              <a:t>var is function-scoped or global-scoped, which means it can be accessed within the function or the whole window where it is declared. For Example:</a:t>
+            </a:r>
+          </a:p>
+          <a:p>
+            <a:pPr marL="400050" lvl="1" indent="0">
+              <a:buNone/>
+            </a:pPr>
+            <a:r>
+              <a:rPr lang="en-US" dirty="0"/>
+              <a:t>console.log(d); // This will print undefined</a:t>
+            </a:r>
+          </a:p>
+          <a:p>
+            <a:pPr marL="400050" lvl="1" indent="0">
+              <a:buNone/>
+            </a:pPr>
+            <a:r>
+              <a:rPr lang="en-US" dirty="0"/>
+              <a:t>var d = 10; // This declaration is hoisted to the top of the scope</a:t>
+            </a:r>
+          </a:p>
+          <a:p>
+            <a:pPr marL="400050" lvl="1" indent="0">
+              <a:buNone/>
+            </a:pPr>
+            <a:r>
+              <a:rPr lang="en-US" dirty="0"/>
+              <a:t>console.log(d); // This will print 10</a:t>
+            </a:r>
+          </a:p>
+          <a:p>
+            <a:endParaRPr lang="en-US" dirty="0"/>
+          </a:p>
+        </p:txBody>
+      </p:sp>
+    </p:spTree>
+    <p:extLst>
+      <p:ext uri="{BB962C8B-B14F-4D97-AF65-F5344CB8AC3E}">
+        <p14:creationId xmlns:p14="http://schemas.microsoft.com/office/powerpoint/2010/main" val="2340902320"/>
+      </p:ext>
+    </p:extLst>
+  </p:cSld>
+  <p:clrMapOvr>
+    <a:masterClrMapping/>
+  </p:clrMapOvr>
+</p:sld>
+</file>
+
+<file path=ppt/slides/slide21.xml><?xml version="1.0" encoding="utf-8"?>
+<p:sld xmlns:a="http://schemas.openxmlformats.org/drawingml/2006/main" xmlns:r="http://schemas.openxmlformats.org/officeDocument/2006/relationships" xmlns:p="http://schemas.openxmlformats.org/presentationml/2006/main">
+  <p:cSld>
+    <p:spTree>
+      <p:nvGrpSpPr>
+        <p:cNvPr id="1" name=""/>
+        <p:cNvGrpSpPr/>
+        <p:nvPr/>
+      </p:nvGrpSpPr>
+      <p:grpSpPr>
+        <a:xfrm>
+          <a:off x="0" y="0"/>
+          <a:ext cx="0" cy="0"/>
+          <a:chOff x="0" y="0"/>
+          <a:chExt cx="0" cy="0"/>
+        </a:xfrm>
+      </p:grpSpPr>
+      <p:sp>
+        <p:nvSpPr>
+          <p:cNvPr id="2" name="Title 1">
+            <a:extLst>
+              <a:ext uri="{FF2B5EF4-FFF2-40B4-BE49-F238E27FC236}">
+                <a16:creationId xmlns:a16="http://schemas.microsoft.com/office/drawing/2014/main" id="{5623EC7D-9FE1-455E-CB6A-EE6B30F9E60F}"/>
+              </a:ext>
+            </a:extLst>
+          </p:cNvPr>
+          <p:cNvSpPr>
+            <a:spLocks noGrp="1"/>
+          </p:cNvSpPr>
+          <p:nvPr>
+            <p:ph type="title"/>
+          </p:nvPr>
+        </p:nvSpPr>
+        <p:spPr/>
+        <p:txBody>
+          <a:bodyPr/>
+          <a:lstStyle/>
+          <a:p>
+            <a:r>
+              <a:rPr lang="en-US" dirty="0"/>
+              <a:t>What is Hoisting?</a:t>
+            </a:r>
+          </a:p>
+        </p:txBody>
+      </p:sp>
+      <p:sp>
+        <p:nvSpPr>
+          <p:cNvPr id="3" name="Content Placeholder 2">
+            <a:extLst>
+              <a:ext uri="{FF2B5EF4-FFF2-40B4-BE49-F238E27FC236}">
+                <a16:creationId xmlns:a16="http://schemas.microsoft.com/office/drawing/2014/main" id="{20AFBC84-8A02-6F04-173E-432F697E2184}"/>
+              </a:ext>
+            </a:extLst>
+          </p:cNvPr>
+          <p:cNvSpPr>
+            <a:spLocks noGrp="1"/>
+          </p:cNvSpPr>
+          <p:nvPr>
+            <p:ph idx="1"/>
+          </p:nvPr>
+        </p:nvSpPr>
+        <p:spPr/>
+        <p:txBody>
+          <a:bodyPr>
+            <a:normAutofit fontScale="92500" lnSpcReduction="10000"/>
+          </a:bodyPr>
+          <a:lstStyle/>
+          <a:p>
+            <a:pPr algn="just"/>
+            <a:r>
+              <a:rPr lang="en-US" dirty="0"/>
+              <a:t>Hoisting is a term used to describe the behavior of JavaScript and TypeScript that moves the declarations of variables, functions, classes, or imports to the top of their scope before executing the code. This means that you can use a variable, function, class, or import before it is declared, as long as it is declared somewhere in the same scope.</a:t>
+            </a:r>
+          </a:p>
+          <a:p>
+            <a:pPr algn="just"/>
+            <a:r>
+              <a:rPr lang="en-US" dirty="0"/>
+              <a:t>Hoisting is based on the type of declaration and the scope of the declaration. TypeScript supports two keywords for declaring variables: let and var. let declares block-scoped variables, while var declares function-scoped or global-scoped variables. TypeScript also supports function declarations, class declarations, and import statements, which are also subject to hoisting</a:t>
+            </a:r>
+          </a:p>
+        </p:txBody>
+      </p:sp>
+    </p:spTree>
+    <p:extLst>
+      <p:ext uri="{BB962C8B-B14F-4D97-AF65-F5344CB8AC3E}">
+        <p14:creationId xmlns:p14="http://schemas.microsoft.com/office/powerpoint/2010/main" val="555073966"/>
+      </p:ext>
+    </p:extLst>
+  </p:cSld>
+  <p:clrMapOvr>
+    <a:masterClrMapping/>
+  </p:clrMapOvr>
+</p:sld>
+</file>
+
+<file path=ppt/slides/slide22.xml><?xml version="1.0" encoding="utf-8"?>
+<p:sld xmlns:a="http://schemas.openxmlformats.org/drawingml/2006/main" xmlns:r="http://schemas.openxmlformats.org/officeDocument/2006/relationships" xmlns:p="http://schemas.openxmlformats.org/presentationml/2006/main">
+  <p:cSld>
+    <p:spTree>
+      <p:nvGrpSpPr>
+        <p:cNvPr id="1" name=""/>
+        <p:cNvGrpSpPr/>
+        <p:nvPr/>
+      </p:nvGrpSpPr>
+      <p:grpSpPr>
+        <a:xfrm>
+          <a:off x="0" y="0"/>
+          <a:ext cx="0" cy="0"/>
+          <a:chOff x="0" y="0"/>
+          <a:chExt cx="0" cy="0"/>
+        </a:xfrm>
+      </p:grpSpPr>
+      <p:sp>
+        <p:nvSpPr>
+          <p:cNvPr id="2" name="Title 1">
+            <a:extLst>
+              <a:ext uri="{FF2B5EF4-FFF2-40B4-BE49-F238E27FC236}">
+                <a16:creationId xmlns:a16="http://schemas.microsoft.com/office/drawing/2014/main" id="{B27348B8-1F1B-7C33-979D-5FD5F44B5101}"/>
+              </a:ext>
+            </a:extLst>
+          </p:cNvPr>
+          <p:cNvSpPr>
+            <a:spLocks noGrp="1"/>
+          </p:cNvSpPr>
+          <p:nvPr>
+            <p:ph type="title"/>
+          </p:nvPr>
+        </p:nvSpPr>
+        <p:spPr/>
+        <p:txBody>
+          <a:bodyPr/>
+          <a:lstStyle/>
+          <a:p>
+            <a:r>
+              <a:rPr lang="en-US" dirty="0"/>
+              <a:t>Variable Hoisting</a:t>
+            </a:r>
+          </a:p>
+        </p:txBody>
+      </p:sp>
+      <p:sp>
+        <p:nvSpPr>
+          <p:cNvPr id="3" name="Content Placeholder 2">
+            <a:extLst>
+              <a:ext uri="{FF2B5EF4-FFF2-40B4-BE49-F238E27FC236}">
+                <a16:creationId xmlns:a16="http://schemas.microsoft.com/office/drawing/2014/main" id="{AED2154E-B008-ABDC-463F-1842504A9120}"/>
+              </a:ext>
+            </a:extLst>
+          </p:cNvPr>
+          <p:cNvSpPr>
+            <a:spLocks noGrp="1"/>
+          </p:cNvSpPr>
+          <p:nvPr>
+            <p:ph idx="1"/>
+          </p:nvPr>
+        </p:nvSpPr>
+        <p:spPr/>
+        <p:txBody>
+          <a:bodyPr/>
+          <a:lstStyle/>
+          <a:p>
+            <a:pPr algn="just"/>
+            <a:r>
+              <a:rPr lang="en-US" dirty="0"/>
+              <a:t>Variables declared with var are hoisted to the top of their function or global scope and initialized with a value of undefined. Variables declared with let are also hoisted to the top of their block scope, but they are not initialized until their actual declaration. This means they cannot be accessed or used before their declaration, otherwise a reference error will occur.</a:t>
+            </a:r>
+          </a:p>
+        </p:txBody>
+      </p:sp>
+    </p:spTree>
+    <p:extLst>
+      <p:ext uri="{BB962C8B-B14F-4D97-AF65-F5344CB8AC3E}">
+        <p14:creationId xmlns:p14="http://schemas.microsoft.com/office/powerpoint/2010/main" val="2179925581"/>
+      </p:ext>
+    </p:extLst>
+  </p:cSld>
+  <p:clrMapOvr>
+    <a:masterClrMapping/>
+  </p:clrMapOvr>
+</p:sld>
+</file>
+
+<file path=ppt/slides/slide23.xml><?xml version="1.0" encoding="utf-8"?>
+<p:sld xmlns:a="http://schemas.openxmlformats.org/drawingml/2006/main" xmlns:r="http://schemas.openxmlformats.org/officeDocument/2006/relationships" xmlns:p="http://schemas.openxmlformats.org/presentationml/2006/main">
+  <p:cSld>
+    <p:spTree>
+      <p:nvGrpSpPr>
+        <p:cNvPr id="1" name=""/>
+        <p:cNvGrpSpPr/>
+        <p:nvPr/>
+      </p:nvGrpSpPr>
+      <p:grpSpPr>
+        <a:xfrm>
+          <a:off x="0" y="0"/>
+          <a:ext cx="0" cy="0"/>
+          <a:chOff x="0" y="0"/>
+          <a:chExt cx="0" cy="0"/>
+        </a:xfrm>
+      </p:grpSpPr>
+      <p:sp>
+        <p:nvSpPr>
+          <p:cNvPr id="3" name="Content Placeholder 2">
+            <a:extLst>
+              <a:ext uri="{FF2B5EF4-FFF2-40B4-BE49-F238E27FC236}">
+                <a16:creationId xmlns:a16="http://schemas.microsoft.com/office/drawing/2014/main" id="{58EE0E9D-6A4F-E3FE-EAEF-5F64DA880C52}"/>
+              </a:ext>
+            </a:extLst>
+          </p:cNvPr>
+          <p:cNvSpPr>
+            <a:spLocks noGrp="1"/>
+          </p:cNvSpPr>
+          <p:nvPr>
+            <p:ph idx="4294967295"/>
+          </p:nvPr>
+        </p:nvSpPr>
+        <p:spPr>
+          <a:xfrm>
+            <a:off x="0" y="636105"/>
+            <a:ext cx="11166475" cy="6179034"/>
+          </a:xfrm>
+        </p:spPr>
+        <p:txBody>
+          <a:bodyPr>
+            <a:normAutofit/>
+          </a:bodyPr>
+          <a:lstStyle/>
+          <a:p>
+            <a:r>
+              <a:rPr lang="en-US" dirty="0"/>
+              <a:t>console.log(x); // Output: undefined</a:t>
+            </a:r>
+          </a:p>
+          <a:p>
+            <a:r>
+              <a:rPr lang="en-US" dirty="0"/>
+              <a:t>var x = 10; // This declaration is hoisted to the top of the scope</a:t>
+            </a:r>
+          </a:p>
+          <a:p>
+            <a:r>
+              <a:rPr lang="en-US" dirty="0"/>
+              <a:t>console.log(x); // Output: 10</a:t>
+            </a:r>
+          </a:p>
+          <a:p>
+            <a:endParaRPr lang="en-US" dirty="0"/>
+          </a:p>
+          <a:p>
+            <a:r>
+              <a:rPr lang="en-US" dirty="0"/>
+              <a:t>console.log(y); // Output: Uncaught </a:t>
+            </a:r>
+            <a:r>
+              <a:rPr lang="en-US" dirty="0" err="1"/>
+              <a:t>ReferenceError</a:t>
+            </a:r>
+            <a:r>
+              <a:rPr lang="en-US" dirty="0"/>
+              <a:t>: Cannot access 'y' before initialization</a:t>
+            </a:r>
+          </a:p>
+          <a:p>
+            <a:r>
+              <a:rPr lang="en-US" dirty="0"/>
+              <a:t>let y = 10; // This declaration is hoisted to the top of the block scope</a:t>
+            </a:r>
+          </a:p>
+          <a:p>
+            <a:r>
+              <a:rPr lang="en-US" dirty="0"/>
+              <a:t>console.log(y); // Output: 10</a:t>
+            </a:r>
+          </a:p>
+          <a:p>
+            <a:endParaRPr lang="en-US" dirty="0"/>
+          </a:p>
+        </p:txBody>
+      </p:sp>
+    </p:spTree>
+    <p:extLst>
+      <p:ext uri="{BB962C8B-B14F-4D97-AF65-F5344CB8AC3E}">
+        <p14:creationId xmlns:p14="http://schemas.microsoft.com/office/powerpoint/2010/main" val="3420519893"/>
+      </p:ext>
+    </p:extLst>
+  </p:cSld>
+  <p:clrMapOvr>
+    <a:masterClrMapping/>
+  </p:clrMapOvr>
+</p:sld>
+</file>
+
+<file path=ppt/slides/slide24.xml><?xml version="1.0" encoding="utf-8"?>
+<p:sld xmlns:a="http://schemas.openxmlformats.org/drawingml/2006/main" xmlns:r="http://schemas.openxmlformats.org/officeDocument/2006/relationships" xmlns:p="http://schemas.openxmlformats.org/presentationml/2006/main">
+  <p:cSld>
+    <p:spTree>
+      <p:nvGrpSpPr>
+        <p:cNvPr id="1" name=""/>
+        <p:cNvGrpSpPr/>
+        <p:nvPr/>
+      </p:nvGrpSpPr>
+      <p:grpSpPr>
+        <a:xfrm>
+          <a:off x="0" y="0"/>
+          <a:ext cx="0" cy="0"/>
+          <a:chOff x="0" y="0"/>
+          <a:chExt cx="0" cy="0"/>
+        </a:xfrm>
+      </p:grpSpPr>
+      <p:sp>
+        <p:nvSpPr>
+          <p:cNvPr id="2" name="Title 1">
+            <a:extLst>
+              <a:ext uri="{FF2B5EF4-FFF2-40B4-BE49-F238E27FC236}">
+                <a16:creationId xmlns:a16="http://schemas.microsoft.com/office/drawing/2014/main" id="{44F17923-B695-1A5E-9275-BD69EC10A2A5}"/>
+              </a:ext>
+            </a:extLst>
+          </p:cNvPr>
+          <p:cNvSpPr>
+            <a:spLocks noGrp="1"/>
+          </p:cNvSpPr>
+          <p:nvPr>
+            <p:ph type="title"/>
+          </p:nvPr>
+        </p:nvSpPr>
+        <p:spPr/>
+        <p:txBody>
+          <a:bodyPr/>
+          <a:lstStyle/>
+          <a:p>
+            <a:r>
+              <a:rPr lang="en-US" dirty="0"/>
+              <a:t>Function Hoisting</a:t>
+            </a:r>
+          </a:p>
+        </p:txBody>
+      </p:sp>
+      <p:sp>
+        <p:nvSpPr>
+          <p:cNvPr id="3" name="Content Placeholder 2">
+            <a:extLst>
+              <a:ext uri="{FF2B5EF4-FFF2-40B4-BE49-F238E27FC236}">
+                <a16:creationId xmlns:a16="http://schemas.microsoft.com/office/drawing/2014/main" id="{050D758F-EC9B-FB5F-F2EF-E34ED196FA60}"/>
+              </a:ext>
+            </a:extLst>
+          </p:cNvPr>
+          <p:cNvSpPr>
+            <a:spLocks noGrp="1"/>
+          </p:cNvSpPr>
+          <p:nvPr>
+            <p:ph idx="1"/>
+          </p:nvPr>
+        </p:nvSpPr>
+        <p:spPr/>
+        <p:txBody>
+          <a:bodyPr/>
+          <a:lstStyle/>
+          <a:p>
+            <a:pPr algn="just"/>
+            <a:r>
+              <a:rPr lang="en-US" dirty="0"/>
+              <a:t>Function hoisting: Function declarations are hoisted to the top of their containing scope and can be called before their actual declaration. However, function expressions are not hoisted, and they cannot be called before their declaration.</a:t>
+            </a:r>
+          </a:p>
+        </p:txBody>
+      </p:sp>
+    </p:spTree>
+    <p:extLst>
+      <p:ext uri="{BB962C8B-B14F-4D97-AF65-F5344CB8AC3E}">
+        <p14:creationId xmlns:p14="http://schemas.microsoft.com/office/powerpoint/2010/main" val="1927689958"/>
+      </p:ext>
+    </p:extLst>
+  </p:cSld>
+  <p:clrMapOvr>
+    <a:masterClrMapping/>
+  </p:clrMapOvr>
+</p:sld>
+</file>
+
+<file path=ppt/slides/slide25.xml><?xml version="1.0" encoding="utf-8"?>
+<p:sld xmlns:a="http://schemas.openxmlformats.org/drawingml/2006/main" xmlns:r="http://schemas.openxmlformats.org/officeDocument/2006/relationships" xmlns:p="http://schemas.openxmlformats.org/presentationml/2006/main">
+  <p:cSld>
+    <p:spTree>
+      <p:nvGrpSpPr>
+        <p:cNvPr id="1" name=""/>
+        <p:cNvGrpSpPr/>
+        <p:nvPr/>
+      </p:nvGrpSpPr>
+      <p:grpSpPr>
+        <a:xfrm>
+          <a:off x="0" y="0"/>
+          <a:ext cx="0" cy="0"/>
+          <a:chOff x="0" y="0"/>
+          <a:chExt cx="0" cy="0"/>
+        </a:xfrm>
+      </p:grpSpPr>
+      <p:sp>
+        <p:nvSpPr>
+          <p:cNvPr id="3" name="Content Placeholder 2">
+            <a:extLst>
+              <a:ext uri="{FF2B5EF4-FFF2-40B4-BE49-F238E27FC236}">
+                <a16:creationId xmlns:a16="http://schemas.microsoft.com/office/drawing/2014/main" id="{B98BA636-45AF-43F0-6639-2095DF604199}"/>
+              </a:ext>
+            </a:extLst>
+          </p:cNvPr>
+          <p:cNvSpPr>
+            <a:spLocks noGrp="1"/>
+          </p:cNvSpPr>
+          <p:nvPr>
+            <p:ph idx="4294967295"/>
+          </p:nvPr>
+        </p:nvSpPr>
+        <p:spPr>
+          <a:xfrm>
+            <a:off x="0" y="214685"/>
+            <a:ext cx="11166475" cy="6600453"/>
+          </a:xfrm>
+        </p:spPr>
+        <p:txBody>
+          <a:bodyPr>
+            <a:normAutofit fontScale="92500" lnSpcReduction="20000"/>
+          </a:bodyPr>
+          <a:lstStyle/>
+          <a:p>
+            <a:pPr marL="0" indent="0">
+              <a:buNone/>
+            </a:pPr>
+            <a:r>
+              <a:rPr lang="en-US" dirty="0"/>
+              <a:t>//Function Hoisting Example</a:t>
+            </a:r>
+          </a:p>
+          <a:p>
+            <a:pPr marL="0" indent="0">
+              <a:buNone/>
+            </a:pPr>
+            <a:r>
+              <a:rPr lang="en-US" dirty="0" err="1"/>
+              <a:t>myFunc</a:t>
+            </a:r>
+            <a:r>
+              <a:rPr lang="en-US" dirty="0"/>
+              <a:t>(); // Output: Hello</a:t>
+            </a:r>
+          </a:p>
+          <a:p>
+            <a:pPr marL="0" indent="0">
+              <a:buNone/>
+            </a:pPr>
+            <a:r>
+              <a:rPr lang="en-US" dirty="0"/>
+              <a:t>function </a:t>
+            </a:r>
+            <a:r>
+              <a:rPr lang="en-US" dirty="0" err="1"/>
+              <a:t>myFunc</a:t>
+            </a:r>
+            <a:r>
+              <a:rPr lang="en-US" dirty="0"/>
+              <a:t>() {</a:t>
+            </a:r>
+          </a:p>
+          <a:p>
+            <a:pPr marL="0" indent="0">
+              <a:buNone/>
+            </a:pPr>
+            <a:r>
+              <a:rPr lang="en-US" dirty="0"/>
+              <a:t>  // This declaration is hoisted to the top of the scope</a:t>
+            </a:r>
+          </a:p>
+          <a:p>
+            <a:pPr marL="0" indent="0">
+              <a:buNone/>
+            </a:pPr>
+            <a:r>
+              <a:rPr lang="en-US" dirty="0"/>
+              <a:t>  console.log("Hello");</a:t>
+            </a:r>
+          </a:p>
+          <a:p>
+            <a:pPr marL="0" indent="0">
+              <a:buNone/>
+            </a:pPr>
+            <a:r>
+              <a:rPr lang="en-US" dirty="0"/>
+              <a:t>}</a:t>
+            </a:r>
+          </a:p>
+          <a:p>
+            <a:pPr marL="0" indent="0">
+              <a:buNone/>
+            </a:pPr>
+            <a:endParaRPr lang="en-US" dirty="0"/>
+          </a:p>
+          <a:p>
+            <a:pPr marL="0" indent="0">
+              <a:buNone/>
+            </a:pPr>
+            <a:r>
+              <a:rPr lang="en-US" dirty="0"/>
+              <a:t>myFunc2(); // Output: Uncaught </a:t>
+            </a:r>
+            <a:r>
+              <a:rPr lang="en-US" dirty="0" err="1"/>
+              <a:t>TypeError</a:t>
+            </a:r>
+            <a:r>
+              <a:rPr lang="en-US" dirty="0"/>
+              <a:t>: g is not a function</a:t>
+            </a:r>
+          </a:p>
+          <a:p>
+            <a:pPr marL="0" indent="0">
+              <a:buNone/>
+            </a:pPr>
+            <a:r>
+              <a:rPr lang="en-US" dirty="0"/>
+              <a:t>let myFunc2 = function () {</a:t>
+            </a:r>
+          </a:p>
+          <a:p>
+            <a:pPr marL="0" indent="0">
+              <a:buNone/>
+            </a:pPr>
+            <a:r>
+              <a:rPr lang="en-US" dirty="0"/>
+              <a:t>  // This expression is not hoisted</a:t>
+            </a:r>
+          </a:p>
+          <a:p>
+            <a:pPr marL="0" indent="0">
+              <a:buNone/>
+            </a:pPr>
+            <a:r>
+              <a:rPr lang="en-US" dirty="0"/>
+              <a:t>  console.log("Hello");</a:t>
+            </a:r>
+          </a:p>
+          <a:p>
+            <a:pPr marL="0" indent="0">
+              <a:buNone/>
+            </a:pPr>
+            <a:r>
+              <a:rPr lang="en-US" dirty="0"/>
+              <a:t>};</a:t>
+            </a:r>
+          </a:p>
+        </p:txBody>
+      </p:sp>
+    </p:spTree>
+    <p:extLst>
+      <p:ext uri="{BB962C8B-B14F-4D97-AF65-F5344CB8AC3E}">
+        <p14:creationId xmlns:p14="http://schemas.microsoft.com/office/powerpoint/2010/main" val="1373167149"/>
+      </p:ext>
+    </p:extLst>
+  </p:cSld>
+  <p:clrMapOvr>
+    <a:masterClrMapping/>
+  </p:clrMapOvr>
+</p:sld>
+</file>
+
+<file path=ppt/slides/slide26.xml><?xml version="1.0" encoding="utf-8"?>
+<p:sld xmlns:a="http://schemas.openxmlformats.org/drawingml/2006/main" xmlns:r="http://schemas.openxmlformats.org/officeDocument/2006/relationships" xmlns:p="http://schemas.openxmlformats.org/presentationml/2006/main">
+  <p:cSld>
+    <p:spTree>
+      <p:nvGrpSpPr>
+        <p:cNvPr id="1" name=""/>
+        <p:cNvGrpSpPr/>
+        <p:nvPr/>
+      </p:nvGrpSpPr>
+      <p:grpSpPr>
+        <a:xfrm>
+          <a:off x="0" y="0"/>
+          <a:ext cx="0" cy="0"/>
+          <a:chOff x="0" y="0"/>
+          <a:chExt cx="0" cy="0"/>
+        </a:xfrm>
+      </p:grpSpPr>
+      <p:sp>
+        <p:nvSpPr>
+          <p:cNvPr id="2" name="Title 1">
+            <a:extLst>
+              <a:ext uri="{FF2B5EF4-FFF2-40B4-BE49-F238E27FC236}">
+                <a16:creationId xmlns:a16="http://schemas.microsoft.com/office/drawing/2014/main" id="{DD404D79-860C-D1FE-7D70-C6B1473F8F6A}"/>
+              </a:ext>
+            </a:extLst>
+          </p:cNvPr>
+          <p:cNvSpPr>
+            <a:spLocks noGrp="1"/>
+          </p:cNvSpPr>
+          <p:nvPr>
+            <p:ph type="title"/>
+          </p:nvPr>
+        </p:nvSpPr>
+        <p:spPr/>
+        <p:txBody>
+          <a:bodyPr/>
+          <a:lstStyle/>
+          <a:p>
+            <a:r>
+              <a:rPr lang="en-US" dirty="0"/>
+              <a:t>Class Hoisting</a:t>
+            </a:r>
+          </a:p>
+        </p:txBody>
+      </p:sp>
+      <p:sp>
+        <p:nvSpPr>
+          <p:cNvPr id="3" name="Content Placeholder 2">
+            <a:extLst>
+              <a:ext uri="{FF2B5EF4-FFF2-40B4-BE49-F238E27FC236}">
+                <a16:creationId xmlns:a16="http://schemas.microsoft.com/office/drawing/2014/main" id="{E1986C7B-2AC6-C561-7D22-173623AC610E}"/>
+              </a:ext>
+            </a:extLst>
+          </p:cNvPr>
+          <p:cNvSpPr>
+            <a:spLocks noGrp="1"/>
+          </p:cNvSpPr>
+          <p:nvPr>
+            <p:ph idx="1"/>
+          </p:nvPr>
+        </p:nvSpPr>
+        <p:spPr/>
+        <p:txBody>
+          <a:bodyPr/>
+          <a:lstStyle/>
+          <a:p>
+            <a:pPr algn="just"/>
+            <a:r>
+              <a:rPr lang="en-US" dirty="0"/>
+              <a:t>Class declarations are hoisted to the top of their containing scope, but they are not initialized until their actual declaration. This means they cannot be accessed or used before their declaration, otherwise a reference error will occur.</a:t>
+            </a:r>
+          </a:p>
+        </p:txBody>
+      </p:sp>
+    </p:spTree>
+    <p:extLst>
+      <p:ext uri="{BB962C8B-B14F-4D97-AF65-F5344CB8AC3E}">
+        <p14:creationId xmlns:p14="http://schemas.microsoft.com/office/powerpoint/2010/main" val="1672379263"/>
+      </p:ext>
+    </p:extLst>
+  </p:cSld>
+  <p:clrMapOvr>
+    <a:masterClrMapping/>
+  </p:clrMapOvr>
+</p:sld>
+</file>
+
+<file path=ppt/slides/slide27.xml><?xml version="1.0" encoding="utf-8"?>
+<p:sld xmlns:a="http://schemas.openxmlformats.org/drawingml/2006/main" xmlns:r="http://schemas.openxmlformats.org/officeDocument/2006/relationships" xmlns:p="http://schemas.openxmlformats.org/presentationml/2006/main">
+  <p:cSld>
+    <p:spTree>
+      <p:nvGrpSpPr>
+        <p:cNvPr id="1" name=""/>
+        <p:cNvGrpSpPr/>
+        <p:nvPr/>
+      </p:nvGrpSpPr>
+      <p:grpSpPr>
+        <a:xfrm>
+          <a:off x="0" y="0"/>
+          <a:ext cx="0" cy="0"/>
+          <a:chOff x="0" y="0"/>
+          <a:chExt cx="0" cy="0"/>
+        </a:xfrm>
+      </p:grpSpPr>
+      <p:sp>
+        <p:nvSpPr>
+          <p:cNvPr id="3" name="Content Placeholder 2">
+            <a:extLst>
+              <a:ext uri="{FF2B5EF4-FFF2-40B4-BE49-F238E27FC236}">
+                <a16:creationId xmlns:a16="http://schemas.microsoft.com/office/drawing/2014/main" id="{CDE9E485-ECA1-986B-47BA-EF42060A36CB}"/>
+              </a:ext>
+            </a:extLst>
+          </p:cNvPr>
+          <p:cNvSpPr>
+            <a:spLocks noGrp="1"/>
+          </p:cNvSpPr>
+          <p:nvPr>
+            <p:ph idx="4294967295"/>
+          </p:nvPr>
+        </p:nvSpPr>
+        <p:spPr>
+          <a:xfrm>
+            <a:off x="636104" y="1144989"/>
+            <a:ext cx="10721202" cy="6091569"/>
+          </a:xfrm>
+        </p:spPr>
+        <p:txBody>
+          <a:bodyPr>
+            <a:normAutofit/>
+          </a:bodyPr>
+          <a:lstStyle/>
+          <a:p>
+            <a:pPr marL="0" indent="0">
+              <a:buNone/>
+            </a:pPr>
+            <a:r>
+              <a:rPr lang="en-US" dirty="0"/>
+              <a:t>let c = new C(); // Output: Uncaught </a:t>
+            </a:r>
+            <a:r>
+              <a:rPr lang="en-US" dirty="0" err="1"/>
+              <a:t>ReferenceError</a:t>
+            </a:r>
+            <a:r>
+              <a:rPr lang="en-US" dirty="0"/>
+              <a:t>: Cannot access 'C' before initialization</a:t>
+            </a:r>
+          </a:p>
+          <a:p>
+            <a:pPr marL="0" indent="0">
+              <a:buNone/>
+            </a:pPr>
+            <a:r>
+              <a:rPr lang="en-US" dirty="0"/>
+              <a:t>class C {</a:t>
+            </a:r>
+          </a:p>
+          <a:p>
+            <a:pPr marL="0" indent="0">
+              <a:buNone/>
+            </a:pPr>
+            <a:r>
+              <a:rPr lang="en-US" dirty="0"/>
+              <a:t>  // This declaration is hoisted to the top of the scope</a:t>
+            </a:r>
+          </a:p>
+          <a:p>
+            <a:pPr marL="0" indent="0">
+              <a:buNone/>
+            </a:pPr>
+            <a:r>
+              <a:rPr lang="en-US" dirty="0"/>
+              <a:t>  constructor() {</a:t>
+            </a:r>
+          </a:p>
+          <a:p>
+            <a:pPr marL="0" indent="0">
+              <a:buNone/>
+            </a:pPr>
+            <a:r>
+              <a:rPr lang="en-US" dirty="0"/>
+              <a:t>    console.log("Hello");</a:t>
+            </a:r>
+          </a:p>
+          <a:p>
+            <a:pPr marL="0" indent="0">
+              <a:buNone/>
+            </a:pPr>
+            <a:r>
+              <a:rPr lang="en-US" dirty="0"/>
+              <a:t>  }</a:t>
+            </a:r>
+          </a:p>
+          <a:p>
+            <a:pPr marL="0" indent="0">
+              <a:buNone/>
+            </a:pPr>
+            <a:r>
+              <a:rPr lang="en-US" dirty="0"/>
+              <a:t>}</a:t>
+            </a:r>
+          </a:p>
+        </p:txBody>
+      </p:sp>
+    </p:spTree>
+    <p:extLst>
+      <p:ext uri="{BB962C8B-B14F-4D97-AF65-F5344CB8AC3E}">
+        <p14:creationId xmlns:p14="http://schemas.microsoft.com/office/powerpoint/2010/main" val="1370476418"/>
+      </p:ext>
+    </p:extLst>
+  </p:cSld>
+  <p:clrMapOvr>
+    <a:masterClrMapping/>
+  </p:clrMapOvr>
+</p:sld>
+</file>
+
+<file path=ppt/slides/slide28.xml><?xml version="1.0" encoding="utf-8"?>
+<p:sld xmlns:a="http://schemas.openxmlformats.org/drawingml/2006/main" xmlns:r="http://schemas.openxmlformats.org/officeDocument/2006/relationships" xmlns:p="http://schemas.openxmlformats.org/presentationml/2006/main">
+  <p:cSld>
+    <p:spTree>
+      <p:nvGrpSpPr>
+        <p:cNvPr id="1" name=""/>
+        <p:cNvGrpSpPr/>
+        <p:nvPr/>
+      </p:nvGrpSpPr>
+      <p:grpSpPr>
+        <a:xfrm>
+          <a:off x="0" y="0"/>
+          <a:ext cx="0" cy="0"/>
+          <a:chOff x="0" y="0"/>
+          <a:chExt cx="0" cy="0"/>
+        </a:xfrm>
+      </p:grpSpPr>
+      <p:sp>
+        <p:nvSpPr>
+          <p:cNvPr id="2" name="Title 1">
+            <a:extLst>
+              <a:ext uri="{FF2B5EF4-FFF2-40B4-BE49-F238E27FC236}">
+                <a16:creationId xmlns:a16="http://schemas.microsoft.com/office/drawing/2014/main" id="{59C00F5D-E0C2-1A6C-0B86-CF1E9782D92E}"/>
+              </a:ext>
+            </a:extLst>
+          </p:cNvPr>
+          <p:cNvSpPr>
+            <a:spLocks noGrp="1"/>
+          </p:cNvSpPr>
+          <p:nvPr>
+            <p:ph type="title"/>
+          </p:nvPr>
+        </p:nvSpPr>
+        <p:spPr/>
+        <p:txBody>
+          <a:bodyPr/>
+          <a:lstStyle/>
+          <a:p>
+            <a:r>
+              <a:rPr lang="en-US" dirty="0"/>
+              <a:t>Import Hoisting</a:t>
+            </a:r>
+          </a:p>
+        </p:txBody>
+      </p:sp>
+      <p:sp>
+        <p:nvSpPr>
+          <p:cNvPr id="3" name="Content Placeholder 2">
+            <a:extLst>
+              <a:ext uri="{FF2B5EF4-FFF2-40B4-BE49-F238E27FC236}">
+                <a16:creationId xmlns:a16="http://schemas.microsoft.com/office/drawing/2014/main" id="{CE17882B-D18E-310C-AB98-7F4A4E51F522}"/>
+              </a:ext>
+            </a:extLst>
+          </p:cNvPr>
+          <p:cNvSpPr>
+            <a:spLocks noGrp="1"/>
+          </p:cNvSpPr>
+          <p:nvPr>
+            <p:ph idx="1"/>
+          </p:nvPr>
+        </p:nvSpPr>
+        <p:spPr/>
+        <p:txBody>
+          <a:bodyPr/>
+          <a:lstStyle/>
+          <a:p>
+            <a:r>
+              <a:rPr lang="en-US" dirty="0"/>
+              <a:t>Import statements are hoisted to the top of the module scope and can be used before their actual declaration. However, they cannot be used inside conditional blocks or nested scopes, as they are only valid at the top level of a module</a:t>
+            </a:r>
+          </a:p>
+        </p:txBody>
+      </p:sp>
+    </p:spTree>
+    <p:extLst>
+      <p:ext uri="{BB962C8B-B14F-4D97-AF65-F5344CB8AC3E}">
+        <p14:creationId xmlns:p14="http://schemas.microsoft.com/office/powerpoint/2010/main" val="2159601418"/>
+      </p:ext>
+    </p:extLst>
+  </p:cSld>
+  <p:clrMapOvr>
+    <a:masterClrMapping/>
+  </p:clrMapOvr>
+</p:sld>
+</file>
+
+<file path=ppt/slides/slide29.xml><?xml version="1.0" encoding="utf-8"?>
+<p:sld xmlns:a="http://schemas.openxmlformats.org/drawingml/2006/main" xmlns:r="http://schemas.openxmlformats.org/officeDocument/2006/relationships" xmlns:p="http://schemas.openxmlformats.org/presentationml/2006/main">
+  <p:cSld>
+    <p:spTree>
+      <p:nvGrpSpPr>
+        <p:cNvPr id="1" name=""/>
+        <p:cNvGrpSpPr/>
+        <p:nvPr/>
+      </p:nvGrpSpPr>
+      <p:grpSpPr>
+        <a:xfrm>
+          <a:off x="0" y="0"/>
+          <a:ext cx="0" cy="0"/>
+          <a:chOff x="0" y="0"/>
+          <a:chExt cx="0" cy="0"/>
+        </a:xfrm>
+      </p:grpSpPr>
+      <p:sp>
+        <p:nvSpPr>
+          <p:cNvPr id="3" name="Content Placeholder 2">
+            <a:extLst>
+              <a:ext uri="{FF2B5EF4-FFF2-40B4-BE49-F238E27FC236}">
+                <a16:creationId xmlns:a16="http://schemas.microsoft.com/office/drawing/2014/main" id="{04205175-6F6A-FB53-4915-F3A895F16F60}"/>
+              </a:ext>
+            </a:extLst>
+          </p:cNvPr>
+          <p:cNvSpPr>
+            <a:spLocks noGrp="1"/>
+          </p:cNvSpPr>
+          <p:nvPr>
+            <p:ph idx="4294967295"/>
+          </p:nvPr>
+        </p:nvSpPr>
+        <p:spPr>
+          <a:xfrm>
+            <a:off x="914400" y="636105"/>
+            <a:ext cx="10252075" cy="6179034"/>
+          </a:xfrm>
+        </p:spPr>
+        <p:txBody>
+          <a:bodyPr>
+            <a:normAutofit/>
+          </a:bodyPr>
+          <a:lstStyle/>
+          <a:p>
+            <a:pPr marL="0" indent="0">
+              <a:buNone/>
+            </a:pPr>
+            <a:r>
+              <a:rPr lang="en-US" dirty="0"/>
+              <a:t>console.log(add(1, 2)); // Output: 3</a:t>
+            </a:r>
+          </a:p>
+          <a:p>
+            <a:pPr marL="0" indent="0">
+              <a:buNone/>
+            </a:pPr>
+            <a:r>
+              <a:rPr lang="en-US" dirty="0"/>
+              <a:t>import { add } from "./math"; // This statement is hoisted to the top of the module</a:t>
+            </a:r>
+          </a:p>
+          <a:p>
+            <a:pPr marL="0" indent="0">
+              <a:buNone/>
+            </a:pPr>
+            <a:endParaRPr lang="en-US" dirty="0"/>
+          </a:p>
+          <a:p>
+            <a:pPr marL="0" indent="0">
+              <a:buNone/>
+            </a:pPr>
+            <a:r>
+              <a:rPr lang="en-US" dirty="0"/>
+              <a:t>if (true) {</a:t>
+            </a:r>
+          </a:p>
+          <a:p>
+            <a:pPr marL="0" indent="0">
+              <a:buNone/>
+            </a:pPr>
+            <a:r>
+              <a:rPr lang="en-US" dirty="0"/>
+              <a:t>  import { subtract } from "./math"; // Error: Cannot use import statement outside a module</a:t>
+            </a:r>
+          </a:p>
+          <a:p>
+            <a:pPr marL="0" indent="0">
+              <a:buNone/>
+            </a:pPr>
+            <a:r>
+              <a:rPr lang="en-US" dirty="0"/>
+              <a:t>  console.log(subtract(3, 2));</a:t>
+            </a:r>
+          </a:p>
+          <a:p>
+            <a:pPr marL="0" indent="0">
+              <a:buNone/>
+            </a:pPr>
+            <a:r>
+              <a:rPr lang="en-US" dirty="0"/>
+              <a:t>}</a:t>
+            </a:r>
+          </a:p>
+          <a:p>
+            <a:endParaRPr lang="en-US" dirty="0"/>
+          </a:p>
+        </p:txBody>
+      </p:sp>
+    </p:spTree>
+    <p:extLst>
+      <p:ext uri="{BB962C8B-B14F-4D97-AF65-F5344CB8AC3E}">
+        <p14:creationId xmlns:p14="http://schemas.microsoft.com/office/powerpoint/2010/main" val="1435170239"/>
       </p:ext>
     </p:extLst>
   </p:cSld>
@@ -14823,63 +16503,70 @@
           </a:bodyPr>
           <a:lstStyle/>
           <a:p>
+            <a:pPr algn="just"/>
             <a:r>
               <a:rPr lang="en-US" dirty="0"/>
               <a:t>Conditions are essential for decision-making in algorithms and programs.</a:t>
             </a:r>
           </a:p>
           <a:p>
-            <a:pPr lvl="1"/>
+            <a:pPr lvl="1" algn="just"/>
             <a:r>
               <a:rPr lang="en-US" dirty="0"/>
               <a:t>They allow the program to perform different actions based on different scenarios.</a:t>
             </a:r>
           </a:p>
           <a:p>
-            <a:pPr lvl="1"/>
+            <a:pPr lvl="1" algn="just"/>
             <a:r>
               <a:rPr lang="en-US" dirty="0"/>
               <a:t>They help the program to handle errors, exceptions, and edge cases.</a:t>
             </a:r>
           </a:p>
           <a:p>
-            <a:pPr lvl="1"/>
+            <a:pPr lvl="1" algn="just"/>
             <a:r>
               <a:rPr lang="en-US" dirty="0"/>
               <a:t>They make the program more efficient, reliable, and expressive.</a:t>
             </a:r>
           </a:p>
           <a:p>
+            <a:pPr algn="just"/>
             <a:r>
               <a:rPr lang="en-US" dirty="0"/>
               <a:t>Conditions are statements that evaluate to either true or false.</a:t>
             </a:r>
           </a:p>
           <a:p>
+            <a:pPr algn="just"/>
             <a:r>
               <a:rPr lang="en-US" dirty="0"/>
               <a:t>They are used to control the flow of execution of a program based on certain criteria.</a:t>
             </a:r>
           </a:p>
           <a:p>
+            <a:pPr algn="just"/>
             <a:r>
               <a:rPr lang="en-US" dirty="0"/>
               <a:t>They can be used with conditional statements, such as if, else, switch, or ternary operators, to execute different code blocks depending on the result of the condition.</a:t>
             </a:r>
           </a:p>
           <a:p>
+            <a:pPr algn="just"/>
             <a:r>
               <a:rPr lang="en-US" dirty="0"/>
               <a:t>Conditions can be based on various factors, such as user input, variable value, file existence, etc.</a:t>
             </a:r>
           </a:p>
           <a:p>
+            <a:pPr algn="just"/>
             <a:r>
               <a:rPr lang="en-US" dirty="0"/>
               <a:t>They can use various operators, such as comparison, logical, or bitwise, to form complex expressions.</a:t>
             </a:r>
           </a:p>
           <a:p>
+            <a:pPr algn="just"/>
             <a:r>
               <a:rPr lang="en-US" dirty="0"/>
               <a:t>They can also use parentheses, brackets, or braces to group and prioritize expressions.</a:t>
@@ -14891,6 +16578,172 @@
     <p:extLst>
       <p:ext uri="{BB962C8B-B14F-4D97-AF65-F5344CB8AC3E}">
         <p14:creationId xmlns:p14="http://schemas.microsoft.com/office/powerpoint/2010/main" val="4289040888"/>
+      </p:ext>
+    </p:extLst>
+  </p:cSld>
+  <p:clrMapOvr>
+    <a:masterClrMapping/>
+  </p:clrMapOvr>
+</p:sld>
+</file>
+
+<file path=ppt/slides/slide30.xml><?xml version="1.0" encoding="utf-8"?>
+<p:sld xmlns:a="http://schemas.openxmlformats.org/drawingml/2006/main" xmlns:r="http://schemas.openxmlformats.org/officeDocument/2006/relationships" xmlns:p="http://schemas.openxmlformats.org/presentationml/2006/main">
+  <p:cSld>
+    <p:spTree>
+      <p:nvGrpSpPr>
+        <p:cNvPr id="1" name=""/>
+        <p:cNvGrpSpPr/>
+        <p:nvPr/>
+      </p:nvGrpSpPr>
+      <p:grpSpPr>
+        <a:xfrm>
+          <a:off x="0" y="0"/>
+          <a:ext cx="0" cy="0"/>
+          <a:chOff x="0" y="0"/>
+          <a:chExt cx="0" cy="0"/>
+        </a:xfrm>
+      </p:grpSpPr>
+      <p:sp>
+        <p:nvSpPr>
+          <p:cNvPr id="2" name="Title 1">
+            <a:extLst>
+              <a:ext uri="{FF2B5EF4-FFF2-40B4-BE49-F238E27FC236}">
+                <a16:creationId xmlns:a16="http://schemas.microsoft.com/office/drawing/2014/main" id="{4A7F3CBB-6FC1-76CD-449B-A5723D8F55BF}"/>
+              </a:ext>
+            </a:extLst>
+          </p:cNvPr>
+          <p:cNvSpPr>
+            <a:spLocks noGrp="1"/>
+          </p:cNvSpPr>
+          <p:nvPr>
+            <p:ph type="title"/>
+          </p:nvPr>
+        </p:nvSpPr>
+        <p:spPr/>
+        <p:txBody>
+          <a:bodyPr/>
+          <a:lstStyle/>
+          <a:p>
+            <a:r>
+              <a:rPr lang="en-US" dirty="0"/>
+              <a:t>GitHub Repositories to Follow</a:t>
+            </a:r>
+          </a:p>
+        </p:txBody>
+      </p:sp>
+      <p:sp>
+        <p:nvSpPr>
+          <p:cNvPr id="3" name="Content Placeholder 2">
+            <a:extLst>
+              <a:ext uri="{FF2B5EF4-FFF2-40B4-BE49-F238E27FC236}">
+                <a16:creationId xmlns:a16="http://schemas.microsoft.com/office/drawing/2014/main" id="{77C99BAC-2C08-2326-403E-706023907501}"/>
+              </a:ext>
+            </a:extLst>
+          </p:cNvPr>
+          <p:cNvSpPr>
+            <a:spLocks noGrp="1"/>
+          </p:cNvSpPr>
+          <p:nvPr>
+            <p:ph idx="1"/>
+          </p:nvPr>
+        </p:nvSpPr>
+        <p:spPr>
+          <a:xfrm>
+            <a:off x="231112" y="2603500"/>
+            <a:ext cx="11635991" cy="3416300"/>
+          </a:xfrm>
+        </p:spPr>
+        <p:txBody>
+          <a:bodyPr>
+            <a:normAutofit fontScale="62500" lnSpcReduction="20000"/>
+          </a:bodyPr>
+          <a:lstStyle/>
+          <a:p>
+            <a:r>
+              <a:rPr lang="en-US" b="1" dirty="0" err="1"/>
+              <a:t>Panaverse</a:t>
+            </a:r>
+            <a:r>
+              <a:rPr lang="en-US" b="1" dirty="0"/>
+              <a:t> TypeScript Repository by Sir Zia Khan</a:t>
+            </a:r>
+          </a:p>
+          <a:p>
+            <a:pPr lvl="1"/>
+            <a:r>
+              <a:rPr lang="en-US" dirty="0">
+                <a:hlinkClick r:id="rId2"/>
+              </a:rPr>
+              <a:t>https://github.com/panaverse/learn-typescript.git</a:t>
+            </a:r>
+            <a:endParaRPr lang="en-US" dirty="0"/>
+          </a:p>
+          <a:p>
+            <a:r>
+              <a:rPr lang="en-US" b="1" dirty="0"/>
+              <a:t>Learn GIT by Zeeshan Hanif </a:t>
+            </a:r>
+          </a:p>
+          <a:p>
+            <a:pPr lvl="1"/>
+            <a:r>
+              <a:rPr lang="en-US" dirty="0"/>
+              <a:t>https://www.youtube.com/watch?v=MiXAma2db8Y&amp;list=PLKueo-cldy_HjRnPUL4G3pWHS7FREAizF&amp;index=2</a:t>
+            </a:r>
+          </a:p>
+          <a:p>
+            <a:r>
+              <a:rPr lang="en-US" b="1" dirty="0" err="1"/>
+              <a:t>TypeScripts</a:t>
+            </a:r>
+            <a:r>
+              <a:rPr lang="en-US" b="1" dirty="0"/>
+              <a:t> Assignments</a:t>
+            </a:r>
+          </a:p>
+          <a:p>
+            <a:pPr lvl="1"/>
+            <a:r>
+              <a:rPr lang="en-US" dirty="0">
+                <a:hlinkClick r:id="rId3"/>
+              </a:rPr>
+              <a:t>https://github.com/panaverse/learn-typescript/tree/master/NODE_PROJECTS</a:t>
+            </a:r>
+            <a:endParaRPr lang="en-US" dirty="0"/>
+          </a:p>
+          <a:p>
+            <a:pPr lvl="1"/>
+            <a:r>
+              <a:rPr lang="en-US" dirty="0"/>
+              <a:t>https://github.com/panaverse/learn-typescript/blob/master/NODE_PROJECTS/getting-started-exercises.md</a:t>
+            </a:r>
+          </a:p>
+          <a:p>
+            <a:r>
+              <a:rPr lang="en-US" b="1" dirty="0"/>
+              <a:t>Class Repository</a:t>
+            </a:r>
+          </a:p>
+          <a:p>
+            <a:pPr lvl="1"/>
+            <a:r>
+              <a:rPr lang="en-US" dirty="0">
+                <a:hlinkClick r:id="rId4"/>
+              </a:rPr>
+              <a:t>https://github.com/fkhan79/giaic_fmk/</a:t>
+            </a:r>
+            <a:endParaRPr lang="en-US" dirty="0"/>
+          </a:p>
+          <a:p>
+            <a:endParaRPr lang="en-US" dirty="0"/>
+          </a:p>
+        </p:txBody>
+      </p:sp>
+    </p:spTree>
+    <p:extLst>
+      <p:ext uri="{BB962C8B-B14F-4D97-AF65-F5344CB8AC3E}">
+        <p14:creationId xmlns:p14="http://schemas.microsoft.com/office/powerpoint/2010/main" val="1521313007"/>
       </p:ext>
     </p:extLst>
   </p:cSld>
